--- a/sd/qa/unit/data/pptx/tdf149551_SmartArt_Gear.pptx
+++ b/sd/qa/unit/data/pptx/tdf149551_SmartArt_Gear.pptx
@@ -3653,7 +3653,7 @@
     </a:clrScheme>
     <a:fontScheme name="Office Theme">
       <a:majorFont>
-        <a:latin typeface="Calibri Light" panose="020F0302020204030204"/>
+        <a:latin typeface="Noto Sans" panose="020F0302020204030204"/>
         <a:ea typeface=""/>
         <a:cs typeface=""/>
         <a:font script="Jpan" typeface="游ゴシック Light"/>
